--- a/my-materials/ppt/dsml-book-folien.pptx
+++ b/my-materials/ppt/dsml-book-folien.pptx
@@ -9,6 +9,8 @@
     <p:sldId id="257" r:id="rId3"/>
     <p:sldId id="258" r:id="rId4"/>
     <p:sldId id="259" r:id="rId5"/>
+    <p:sldId id="260" r:id="rId6"/>
+    <p:sldId id="261" r:id="rId7"/>
   </p:sldIdLst>
   <p:sldSz cx="12192000" cy="6858000"/>
   <p:notesSz cx="6858000" cy="9144000"/>
@@ -275,7 +277,7 @@
           <a:p>
             <a:fld id="{6AD6699E-31E6-4F46-A8E3-A12A89C69E98}" type="datetimeFigureOut">
               <a:rPr lang="en-GB" smtClean="0"/>
-              <a:t>08/05/2022</a:t>
+              <a:t>28/05/2022</a:t>
             </a:fld>
             <a:endParaRPr lang="en-GB"/>
           </a:p>
@@ -475,7 +477,7 @@
           <a:p>
             <a:fld id="{6AD6699E-31E6-4F46-A8E3-A12A89C69E98}" type="datetimeFigureOut">
               <a:rPr lang="en-GB" smtClean="0"/>
-              <a:t>08/05/2022</a:t>
+              <a:t>28/05/2022</a:t>
             </a:fld>
             <a:endParaRPr lang="en-GB"/>
           </a:p>
@@ -685,7 +687,7 @@
           <a:p>
             <a:fld id="{6AD6699E-31E6-4F46-A8E3-A12A89C69E98}" type="datetimeFigureOut">
               <a:rPr lang="en-GB" smtClean="0"/>
-              <a:t>08/05/2022</a:t>
+              <a:t>28/05/2022</a:t>
             </a:fld>
             <a:endParaRPr lang="en-GB"/>
           </a:p>
@@ -885,7 +887,7 @@
           <a:p>
             <a:fld id="{6AD6699E-31E6-4F46-A8E3-A12A89C69E98}" type="datetimeFigureOut">
               <a:rPr lang="en-GB" smtClean="0"/>
-              <a:t>08/05/2022</a:t>
+              <a:t>28/05/2022</a:t>
             </a:fld>
             <a:endParaRPr lang="en-GB"/>
           </a:p>
@@ -1161,7 +1163,7 @@
           <a:p>
             <a:fld id="{6AD6699E-31E6-4F46-A8E3-A12A89C69E98}" type="datetimeFigureOut">
               <a:rPr lang="en-GB" smtClean="0"/>
-              <a:t>08/05/2022</a:t>
+              <a:t>28/05/2022</a:t>
             </a:fld>
             <a:endParaRPr lang="en-GB"/>
           </a:p>
@@ -1429,7 +1431,7 @@
           <a:p>
             <a:fld id="{6AD6699E-31E6-4F46-A8E3-A12A89C69E98}" type="datetimeFigureOut">
               <a:rPr lang="en-GB" smtClean="0"/>
-              <a:t>08/05/2022</a:t>
+              <a:t>28/05/2022</a:t>
             </a:fld>
             <a:endParaRPr lang="en-GB"/>
           </a:p>
@@ -1844,7 +1846,7 @@
           <a:p>
             <a:fld id="{6AD6699E-31E6-4F46-A8E3-A12A89C69E98}" type="datetimeFigureOut">
               <a:rPr lang="en-GB" smtClean="0"/>
-              <a:t>08/05/2022</a:t>
+              <a:t>28/05/2022</a:t>
             </a:fld>
             <a:endParaRPr lang="en-GB"/>
           </a:p>
@@ -1986,7 +1988,7 @@
           <a:p>
             <a:fld id="{6AD6699E-31E6-4F46-A8E3-A12A89C69E98}" type="datetimeFigureOut">
               <a:rPr lang="en-GB" smtClean="0"/>
-              <a:t>08/05/2022</a:t>
+              <a:t>28/05/2022</a:t>
             </a:fld>
             <a:endParaRPr lang="en-GB"/>
           </a:p>
@@ -2099,7 +2101,7 @@
           <a:p>
             <a:fld id="{6AD6699E-31E6-4F46-A8E3-A12A89C69E98}" type="datetimeFigureOut">
               <a:rPr lang="en-GB" smtClean="0"/>
-              <a:t>08/05/2022</a:t>
+              <a:t>28/05/2022</a:t>
             </a:fld>
             <a:endParaRPr lang="en-GB"/>
           </a:p>
@@ -2412,7 +2414,7 @@
           <a:p>
             <a:fld id="{6AD6699E-31E6-4F46-A8E3-A12A89C69E98}" type="datetimeFigureOut">
               <a:rPr lang="en-GB" smtClean="0"/>
-              <a:t>08/05/2022</a:t>
+              <a:t>28/05/2022</a:t>
             </a:fld>
             <a:endParaRPr lang="en-GB"/>
           </a:p>
@@ -2701,7 +2703,7 @@
           <a:p>
             <a:fld id="{6AD6699E-31E6-4F46-A8E3-A12A89C69E98}" type="datetimeFigureOut">
               <a:rPr lang="en-GB" smtClean="0"/>
-              <a:t>08/05/2022</a:t>
+              <a:t>28/05/2022</a:t>
             </a:fld>
             <a:endParaRPr lang="en-GB"/>
           </a:p>
@@ -2944,7 +2946,7 @@
           <a:p>
             <a:fld id="{6AD6699E-31E6-4F46-A8E3-A12A89C69E98}" type="datetimeFigureOut">
               <a:rPr lang="en-GB" smtClean="0"/>
-              <a:t>08/05/2022</a:t>
+              <a:t>28/05/2022</a:t>
             </a:fld>
             <a:endParaRPr lang="en-GB"/>
           </a:p>
@@ -10039,6 +10041,1757 @@
 </p:sld>
 </file>
 
+<file path=ppt/slides/slide5.xml><?xml version="1.0" encoding="utf-8"?>
+<p:sld xmlns:a="http://schemas.openxmlformats.org/drawingml/2006/main" xmlns:r="http://schemas.openxmlformats.org/officeDocument/2006/relationships" xmlns:p="http://schemas.openxmlformats.org/presentationml/2006/main">
+  <p:cSld>
+    <p:spTree>
+      <p:nvGrpSpPr>
+        <p:cNvPr id="1" name=""/>
+        <p:cNvGrpSpPr/>
+        <p:nvPr/>
+      </p:nvGrpSpPr>
+      <p:grpSpPr>
+        <a:xfrm>
+          <a:off x="0" y="0"/>
+          <a:ext cx="0" cy="0"/>
+          <a:chOff x="0" y="0"/>
+          <a:chExt cx="0" cy="0"/>
+        </a:xfrm>
+      </p:grpSpPr>
+      <p:sp>
+        <p:nvSpPr>
+          <p:cNvPr id="4" name="Textfeld 3">
+            <a:extLst>
+              <a:ext uri="{FF2B5EF4-FFF2-40B4-BE49-F238E27FC236}">
+                <a16:creationId xmlns:a16="http://schemas.microsoft.com/office/drawing/2014/main" id="{324C0504-8BF7-4FEE-9E0F-324562B495C0}"/>
+              </a:ext>
+            </a:extLst>
+          </p:cNvPr>
+          <p:cNvSpPr txBox="1"/>
+          <p:nvPr/>
+        </p:nvSpPr>
+        <p:spPr>
+          <a:xfrm>
+            <a:off x="4847303" y="306044"/>
+            <a:ext cx="7077579" cy="369332"/>
+          </a:xfrm>
+          <a:prstGeom prst="rect">
+            <a:avLst/>
+          </a:prstGeom>
+          <a:solidFill>
+            <a:schemeClr val="accent6">
+              <a:lumMod val="20000"/>
+              <a:lumOff val="80000"/>
+            </a:schemeClr>
+          </a:solidFill>
+        </p:spPr>
+        <p:txBody>
+          <a:bodyPr wrap="square" rtlCol="0">
+            <a:spAutoFit/>
+          </a:bodyPr>
+          <a:lstStyle/>
+          <a:p>
+            <a:r>
+              <a:rPr lang="de-DE" dirty="0" err="1"/>
+              <a:t>Step</a:t>
+            </a:r>
+            <a:r>
+              <a:rPr lang="de-DE" dirty="0"/>
+              <a:t> 1: Array is </a:t>
+            </a:r>
+            <a:r>
+              <a:rPr lang="de-DE" dirty="0" err="1"/>
+              <a:t>analyzed</a:t>
+            </a:r>
+            <a:r>
+              <a:rPr lang="de-DE" dirty="0"/>
+              <a:t> to </a:t>
+            </a:r>
+            <a:r>
+              <a:rPr lang="de-DE" dirty="0" err="1"/>
+              <a:t>derive</a:t>
+            </a:r>
+            <a:r>
+              <a:rPr lang="de-DE" dirty="0"/>
+              <a:t> </a:t>
+            </a:r>
+            <a:r>
+              <a:rPr lang="de-DE" dirty="0" err="1"/>
+              <a:t>classes</a:t>
+            </a:r>
+            <a:endParaRPr lang="de-DE" dirty="0"/>
+          </a:p>
+        </p:txBody>
+      </p:sp>
+      <p:sp>
+        <p:nvSpPr>
+          <p:cNvPr id="5" name="Textfeld 4">
+            <a:extLst>
+              <a:ext uri="{FF2B5EF4-FFF2-40B4-BE49-F238E27FC236}">
+                <a16:creationId xmlns:a16="http://schemas.microsoft.com/office/drawing/2014/main" id="{DD299DA4-0B42-4B2E-A01C-CE59E4D0CF62}"/>
+              </a:ext>
+            </a:extLst>
+          </p:cNvPr>
+          <p:cNvSpPr txBox="1"/>
+          <p:nvPr/>
+        </p:nvSpPr>
+        <p:spPr>
+          <a:xfrm>
+            <a:off x="4847303" y="776748"/>
+            <a:ext cx="7077579" cy="369332"/>
+          </a:xfrm>
+          <a:prstGeom prst="rect">
+            <a:avLst/>
+          </a:prstGeom>
+          <a:noFill/>
+        </p:spPr>
+        <p:txBody>
+          <a:bodyPr wrap="none" rtlCol="0">
+            <a:spAutoFit/>
+          </a:bodyPr>
+          <a:lstStyle/>
+          <a:p>
+            <a:r>
+              <a:rPr lang="en-GB" b="0" dirty="0">
+                <a:solidFill>
+                  <a:srgbClr val="000000"/>
+                </a:solidFill>
+                <a:effectLst/>
+                <a:latin typeface="Courier New" panose="02070309020205020404" pitchFamily="49" charset="0"/>
+              </a:rPr>
+              <a:t>[</a:t>
+            </a:r>
+            <a:r>
+              <a:rPr lang="en-GB" b="0" dirty="0">
+                <a:solidFill>
+                  <a:srgbClr val="A31515"/>
+                </a:solidFill>
+                <a:effectLst/>
+                <a:latin typeface="Courier New" panose="02070309020205020404" pitchFamily="49" charset="0"/>
+              </a:rPr>
+              <a:t>"Virginica"</a:t>
+            </a:r>
+            <a:r>
+              <a:rPr lang="en-GB" b="0" dirty="0">
+                <a:solidFill>
+                  <a:srgbClr val="000000"/>
+                </a:solidFill>
+                <a:effectLst/>
+                <a:latin typeface="Courier New" panose="02070309020205020404" pitchFamily="49" charset="0"/>
+              </a:rPr>
+              <a:t>, </a:t>
+            </a:r>
+            <a:r>
+              <a:rPr lang="en-GB" b="0" dirty="0">
+                <a:solidFill>
+                  <a:srgbClr val="A31515"/>
+                </a:solidFill>
+                <a:effectLst/>
+                <a:latin typeface="Courier New" panose="02070309020205020404" pitchFamily="49" charset="0"/>
+              </a:rPr>
+              <a:t>"</a:t>
+            </a:r>
+            <a:r>
+              <a:rPr lang="en-GB" b="0" dirty="0" err="1">
+                <a:solidFill>
+                  <a:srgbClr val="A31515"/>
+                </a:solidFill>
+                <a:effectLst/>
+                <a:latin typeface="Courier New" panose="02070309020205020404" pitchFamily="49" charset="0"/>
+              </a:rPr>
+              <a:t>Setosa</a:t>
+            </a:r>
+            <a:r>
+              <a:rPr lang="en-GB" b="0" dirty="0">
+                <a:solidFill>
+                  <a:srgbClr val="A31515"/>
+                </a:solidFill>
+                <a:effectLst/>
+                <a:latin typeface="Courier New" panose="02070309020205020404" pitchFamily="49" charset="0"/>
+              </a:rPr>
+              <a:t>"</a:t>
+            </a:r>
+            <a:r>
+              <a:rPr lang="en-GB" b="0" dirty="0">
+                <a:solidFill>
+                  <a:srgbClr val="000000"/>
+                </a:solidFill>
+                <a:effectLst/>
+                <a:latin typeface="Courier New" panose="02070309020205020404" pitchFamily="49" charset="0"/>
+              </a:rPr>
+              <a:t>, </a:t>
+            </a:r>
+            <a:r>
+              <a:rPr lang="en-GB" b="0" dirty="0">
+                <a:solidFill>
+                  <a:srgbClr val="A31515"/>
+                </a:solidFill>
+                <a:effectLst/>
+                <a:latin typeface="Courier New" panose="02070309020205020404" pitchFamily="49" charset="0"/>
+              </a:rPr>
+              <a:t>"Versicolor"</a:t>
+            </a:r>
+            <a:r>
+              <a:rPr lang="en-GB" b="0" dirty="0">
+                <a:solidFill>
+                  <a:srgbClr val="000000"/>
+                </a:solidFill>
+                <a:effectLst/>
+                <a:latin typeface="Courier New" panose="02070309020205020404" pitchFamily="49" charset="0"/>
+              </a:rPr>
+              <a:t>, </a:t>
+            </a:r>
+            <a:r>
+              <a:rPr lang="en-GB" b="0" dirty="0">
+                <a:solidFill>
+                  <a:srgbClr val="A31515"/>
+                </a:solidFill>
+                <a:effectLst/>
+                <a:latin typeface="Courier New" panose="02070309020205020404" pitchFamily="49" charset="0"/>
+              </a:rPr>
+              <a:t>"Virginica"</a:t>
+            </a:r>
+            <a:r>
+              <a:rPr lang="en-GB" b="0" dirty="0">
+                <a:solidFill>
+                  <a:srgbClr val="000000"/>
+                </a:solidFill>
+                <a:effectLst/>
+                <a:latin typeface="Courier New" panose="02070309020205020404" pitchFamily="49" charset="0"/>
+              </a:rPr>
+              <a:t>]</a:t>
+            </a:r>
+          </a:p>
+        </p:txBody>
+      </p:sp>
+      <p:sp>
+        <p:nvSpPr>
+          <p:cNvPr id="6" name="Textfeld 5">
+            <a:extLst>
+              <a:ext uri="{FF2B5EF4-FFF2-40B4-BE49-F238E27FC236}">
+                <a16:creationId xmlns:a16="http://schemas.microsoft.com/office/drawing/2014/main" id="{AE2A2C8D-2C1E-46A1-9918-35D1A315C291}"/>
+              </a:ext>
+            </a:extLst>
+          </p:cNvPr>
+          <p:cNvSpPr txBox="1"/>
+          <p:nvPr/>
+        </p:nvSpPr>
+        <p:spPr>
+          <a:xfrm>
+            <a:off x="4847303" y="2070311"/>
+            <a:ext cx="5285421" cy="369332"/>
+          </a:xfrm>
+          <a:prstGeom prst="rect">
+            <a:avLst/>
+          </a:prstGeom>
+          <a:noFill/>
+        </p:spPr>
+        <p:txBody>
+          <a:bodyPr wrap="none" rtlCol="0">
+            <a:spAutoFit/>
+          </a:bodyPr>
+          <a:lstStyle/>
+          <a:p>
+            <a:r>
+              <a:rPr lang="en-GB" b="0" dirty="0">
+                <a:solidFill>
+                  <a:srgbClr val="A31515"/>
+                </a:solidFill>
+                <a:effectLst/>
+                <a:latin typeface="Courier New" panose="02070309020205020404" pitchFamily="49" charset="0"/>
+              </a:rPr>
+              <a:t>["</a:t>
+            </a:r>
+            <a:r>
+              <a:rPr lang="en-GB" b="0" dirty="0" err="1">
+                <a:solidFill>
+                  <a:srgbClr val="A31515"/>
+                </a:solidFill>
+                <a:effectLst/>
+                <a:latin typeface="Courier New" panose="02070309020205020404" pitchFamily="49" charset="0"/>
+              </a:rPr>
+              <a:t>Setosa</a:t>
+            </a:r>
+            <a:r>
+              <a:rPr lang="en-GB" b="0" dirty="0">
+                <a:solidFill>
+                  <a:srgbClr val="A31515"/>
+                </a:solidFill>
+                <a:effectLst/>
+                <a:latin typeface="Courier New" panose="02070309020205020404" pitchFamily="49" charset="0"/>
+              </a:rPr>
+              <a:t>"</a:t>
+            </a:r>
+            <a:r>
+              <a:rPr lang="en-GB" b="0" dirty="0">
+                <a:solidFill>
+                  <a:srgbClr val="000000"/>
+                </a:solidFill>
+                <a:effectLst/>
+                <a:latin typeface="Courier New" panose="02070309020205020404" pitchFamily="49" charset="0"/>
+              </a:rPr>
+              <a:t>, </a:t>
+            </a:r>
+            <a:r>
+              <a:rPr lang="en-GB" b="0" dirty="0">
+                <a:solidFill>
+                  <a:srgbClr val="A31515"/>
+                </a:solidFill>
+                <a:effectLst/>
+                <a:latin typeface="Courier New" panose="02070309020205020404" pitchFamily="49" charset="0"/>
+              </a:rPr>
+              <a:t>"Versicolor"</a:t>
+            </a:r>
+            <a:r>
+              <a:rPr lang="en-GB" b="0" dirty="0">
+                <a:solidFill>
+                  <a:srgbClr val="000000"/>
+                </a:solidFill>
+                <a:effectLst/>
+                <a:latin typeface="Courier New" panose="02070309020205020404" pitchFamily="49" charset="0"/>
+              </a:rPr>
+              <a:t>, </a:t>
+            </a:r>
+            <a:r>
+              <a:rPr lang="en-GB" b="0" dirty="0">
+                <a:solidFill>
+                  <a:srgbClr val="A31515"/>
+                </a:solidFill>
+                <a:effectLst/>
+                <a:latin typeface="Courier New" panose="02070309020205020404" pitchFamily="49" charset="0"/>
+              </a:rPr>
+              <a:t>"Virginica"</a:t>
+            </a:r>
+            <a:r>
+              <a:rPr lang="en-GB" b="0" dirty="0">
+                <a:solidFill>
+                  <a:srgbClr val="000000"/>
+                </a:solidFill>
+                <a:effectLst/>
+                <a:latin typeface="Courier New" panose="02070309020205020404" pitchFamily="49" charset="0"/>
+              </a:rPr>
+              <a:t>]</a:t>
+            </a:r>
+          </a:p>
+        </p:txBody>
+      </p:sp>
+      <p:cxnSp>
+        <p:nvCxnSpPr>
+          <p:cNvPr id="8" name="Gerade Verbindung mit Pfeil 7">
+            <a:extLst>
+              <a:ext uri="{FF2B5EF4-FFF2-40B4-BE49-F238E27FC236}">
+                <a16:creationId xmlns:a16="http://schemas.microsoft.com/office/drawing/2014/main" id="{3CB91FFD-7AB6-42E7-A680-6DE3DF3B5A4E}"/>
+              </a:ext>
+            </a:extLst>
+          </p:cNvPr>
+          <p:cNvCxnSpPr/>
+          <p:nvPr/>
+        </p:nvCxnSpPr>
+        <p:spPr>
+          <a:xfrm>
+            <a:off x="7590503" y="1327355"/>
+            <a:ext cx="0" cy="658761"/>
+          </a:xfrm>
+          <a:prstGeom prst="straightConnector1">
+            <a:avLst/>
+          </a:prstGeom>
+          <a:ln>
+            <a:tailEnd type="triangle"/>
+          </a:ln>
+        </p:spPr>
+        <p:style>
+          <a:lnRef idx="1">
+            <a:schemeClr val="accent1"/>
+          </a:lnRef>
+          <a:fillRef idx="0">
+            <a:schemeClr val="accent1"/>
+          </a:fillRef>
+          <a:effectRef idx="0">
+            <a:schemeClr val="accent1"/>
+          </a:effectRef>
+          <a:fontRef idx="minor">
+            <a:schemeClr val="tx1"/>
+          </a:fontRef>
+        </p:style>
+      </p:cxnSp>
+      <p:sp>
+        <p:nvSpPr>
+          <p:cNvPr id="9" name="Textfeld 8">
+            <a:extLst>
+              <a:ext uri="{FF2B5EF4-FFF2-40B4-BE49-F238E27FC236}">
+                <a16:creationId xmlns:a16="http://schemas.microsoft.com/office/drawing/2014/main" id="{D9E992E2-8112-4EA7-870A-8DF9DF30AD87}"/>
+              </a:ext>
+            </a:extLst>
+          </p:cNvPr>
+          <p:cNvSpPr txBox="1"/>
+          <p:nvPr/>
+        </p:nvSpPr>
+        <p:spPr>
+          <a:xfrm>
+            <a:off x="7590503" y="1428135"/>
+            <a:ext cx="3672031" cy="307777"/>
+          </a:xfrm>
+          <a:prstGeom prst="rect">
+            <a:avLst/>
+          </a:prstGeom>
+          <a:noFill/>
+        </p:spPr>
+        <p:txBody>
+          <a:bodyPr wrap="none" rtlCol="0">
+            <a:spAutoFit/>
+          </a:bodyPr>
+          <a:lstStyle/>
+          <a:p>
+            <a:r>
+              <a:rPr lang="de-DE" sz="1400" dirty="0"/>
+              <a:t>3 </a:t>
+            </a:r>
+            <a:r>
+              <a:rPr lang="de-DE" sz="1400" dirty="0" err="1"/>
+              <a:t>classes</a:t>
+            </a:r>
+            <a:r>
+              <a:rPr lang="de-DE" sz="1400" dirty="0"/>
+              <a:t> </a:t>
+            </a:r>
+            <a:r>
+              <a:rPr lang="de-DE" sz="1400" dirty="0" err="1"/>
+              <a:t>are</a:t>
+            </a:r>
+            <a:r>
+              <a:rPr lang="de-DE" sz="1400" dirty="0"/>
+              <a:t> </a:t>
+            </a:r>
+            <a:r>
+              <a:rPr lang="de-DE" sz="1400" dirty="0" err="1"/>
+              <a:t>detected</a:t>
+            </a:r>
+            <a:r>
+              <a:rPr lang="de-DE" sz="1400" dirty="0"/>
+              <a:t>, and </a:t>
+            </a:r>
+            <a:r>
+              <a:rPr lang="de-DE" sz="1400" dirty="0" err="1"/>
+              <a:t>mapped</a:t>
+            </a:r>
+            <a:r>
+              <a:rPr lang="de-DE" sz="1400" dirty="0"/>
+              <a:t> to </a:t>
+            </a:r>
+            <a:r>
+              <a:rPr lang="de-DE" sz="1400" dirty="0" err="1"/>
+              <a:t>numbers</a:t>
+            </a:r>
+            <a:endParaRPr lang="en-GB" sz="1400" dirty="0"/>
+          </a:p>
+        </p:txBody>
+      </p:sp>
+      <p:sp>
+        <p:nvSpPr>
+          <p:cNvPr id="10" name="Textfeld 9">
+            <a:extLst>
+              <a:ext uri="{FF2B5EF4-FFF2-40B4-BE49-F238E27FC236}">
+                <a16:creationId xmlns:a16="http://schemas.microsoft.com/office/drawing/2014/main" id="{D4EE603E-6E27-46DB-AAF4-988355C4C574}"/>
+              </a:ext>
+            </a:extLst>
+          </p:cNvPr>
+          <p:cNvSpPr txBox="1"/>
+          <p:nvPr/>
+        </p:nvSpPr>
+        <p:spPr>
+          <a:xfrm>
+            <a:off x="4847303" y="2541015"/>
+            <a:ext cx="5285421" cy="369332"/>
+          </a:xfrm>
+          <a:prstGeom prst="rect">
+            <a:avLst/>
+          </a:prstGeom>
+          <a:noFill/>
+        </p:spPr>
+        <p:txBody>
+          <a:bodyPr wrap="none" rtlCol="0">
+            <a:spAutoFit/>
+          </a:bodyPr>
+          <a:lstStyle/>
+          <a:p>
+            <a:r>
+              <a:rPr lang="en-GB" b="0" dirty="0">
+                <a:solidFill>
+                  <a:srgbClr val="A31515"/>
+                </a:solidFill>
+                <a:effectLst/>
+                <a:latin typeface="Courier New" panose="02070309020205020404" pitchFamily="49" charset="0"/>
+              </a:rPr>
+              <a:t>[   0    </a:t>
+            </a:r>
+            <a:r>
+              <a:rPr lang="en-GB" b="0" dirty="0">
+                <a:solidFill>
+                  <a:srgbClr val="000000"/>
+                </a:solidFill>
+                <a:effectLst/>
+                <a:latin typeface="Courier New" panose="02070309020205020404" pitchFamily="49" charset="0"/>
+              </a:rPr>
+              <a:t>,       </a:t>
+            </a:r>
+            <a:r>
+              <a:rPr lang="en-GB" b="0" dirty="0">
+                <a:solidFill>
+                  <a:srgbClr val="A31515"/>
+                </a:solidFill>
+                <a:effectLst/>
+                <a:latin typeface="Courier New" panose="02070309020205020404" pitchFamily="49" charset="0"/>
+              </a:rPr>
+              <a:t>1     </a:t>
+            </a:r>
+            <a:r>
+              <a:rPr lang="en-GB" b="0" dirty="0">
+                <a:solidFill>
+                  <a:srgbClr val="000000"/>
+                </a:solidFill>
+                <a:effectLst/>
+                <a:latin typeface="Courier New" panose="02070309020205020404" pitchFamily="49" charset="0"/>
+              </a:rPr>
+              <a:t>,      </a:t>
+            </a:r>
+            <a:r>
+              <a:rPr lang="en-GB" b="0" dirty="0">
+                <a:solidFill>
+                  <a:srgbClr val="A31515"/>
+                </a:solidFill>
+                <a:effectLst/>
+                <a:latin typeface="Courier New" panose="02070309020205020404" pitchFamily="49" charset="0"/>
+              </a:rPr>
+              <a:t>2     </a:t>
+            </a:r>
+            <a:r>
+              <a:rPr lang="en-GB" b="0" dirty="0">
+                <a:solidFill>
+                  <a:srgbClr val="000000"/>
+                </a:solidFill>
+                <a:effectLst/>
+                <a:latin typeface="Courier New" panose="02070309020205020404" pitchFamily="49" charset="0"/>
+              </a:rPr>
+              <a:t>]</a:t>
+            </a:r>
+          </a:p>
+        </p:txBody>
+      </p:sp>
+      <p:cxnSp>
+        <p:nvCxnSpPr>
+          <p:cNvPr id="12" name="Gerader Verbinder 11">
+            <a:extLst>
+              <a:ext uri="{FF2B5EF4-FFF2-40B4-BE49-F238E27FC236}">
+                <a16:creationId xmlns:a16="http://schemas.microsoft.com/office/drawing/2014/main" id="{4559F6D7-A2B8-4361-B5E1-2E36222A935B}"/>
+              </a:ext>
+            </a:extLst>
+          </p:cNvPr>
+          <p:cNvCxnSpPr>
+            <a:cxnSpLocks/>
+          </p:cNvCxnSpPr>
+          <p:nvPr/>
+        </p:nvCxnSpPr>
+        <p:spPr>
+          <a:xfrm>
+            <a:off x="4945626" y="3429000"/>
+            <a:ext cx="6979256" cy="0"/>
+          </a:xfrm>
+          <a:prstGeom prst="line">
+            <a:avLst/>
+          </a:prstGeom>
+        </p:spPr>
+        <p:style>
+          <a:lnRef idx="1">
+            <a:schemeClr val="accent1"/>
+          </a:lnRef>
+          <a:fillRef idx="0">
+            <a:schemeClr val="accent1"/>
+          </a:fillRef>
+          <a:effectRef idx="0">
+            <a:schemeClr val="accent1"/>
+          </a:effectRef>
+          <a:fontRef idx="minor">
+            <a:schemeClr val="tx1"/>
+          </a:fontRef>
+        </p:style>
+      </p:cxnSp>
+      <p:sp>
+        <p:nvSpPr>
+          <p:cNvPr id="14" name="Textfeld 13">
+            <a:extLst>
+              <a:ext uri="{FF2B5EF4-FFF2-40B4-BE49-F238E27FC236}">
+                <a16:creationId xmlns:a16="http://schemas.microsoft.com/office/drawing/2014/main" id="{B749C798-1689-475F-BB81-405A783184FF}"/>
+              </a:ext>
+            </a:extLst>
+          </p:cNvPr>
+          <p:cNvSpPr txBox="1"/>
+          <p:nvPr/>
+        </p:nvSpPr>
+        <p:spPr>
+          <a:xfrm>
+            <a:off x="4847302" y="3429000"/>
+            <a:ext cx="7077579" cy="369332"/>
+          </a:xfrm>
+          <a:prstGeom prst="rect">
+            <a:avLst/>
+          </a:prstGeom>
+          <a:solidFill>
+            <a:schemeClr val="accent6">
+              <a:lumMod val="20000"/>
+              <a:lumOff val="80000"/>
+            </a:schemeClr>
+          </a:solidFill>
+        </p:spPr>
+        <p:txBody>
+          <a:bodyPr wrap="square" rtlCol="0">
+            <a:spAutoFit/>
+          </a:bodyPr>
+          <a:lstStyle/>
+          <a:p>
+            <a:r>
+              <a:rPr lang="de-DE" dirty="0" err="1"/>
+              <a:t>Step</a:t>
+            </a:r>
+            <a:r>
+              <a:rPr lang="de-DE" dirty="0"/>
+              <a:t> 2: Transform </a:t>
+            </a:r>
+            <a:r>
+              <a:rPr lang="de-DE" dirty="0" err="1"/>
+              <a:t>any</a:t>
+            </a:r>
+            <a:r>
+              <a:rPr lang="de-DE" dirty="0"/>
+              <a:t> </a:t>
+            </a:r>
+            <a:r>
+              <a:rPr lang="de-DE" dirty="0" err="1"/>
+              <a:t>array</a:t>
+            </a:r>
+            <a:r>
+              <a:rPr lang="de-DE" dirty="0"/>
+              <a:t>  of </a:t>
+            </a:r>
+            <a:r>
+              <a:rPr lang="de-DE" dirty="0" err="1"/>
+              <a:t>classes</a:t>
+            </a:r>
+            <a:endParaRPr lang="de-DE" dirty="0"/>
+          </a:p>
+        </p:txBody>
+      </p:sp>
+      <p:sp>
+        <p:nvSpPr>
+          <p:cNvPr id="15" name="Textfeld 14">
+            <a:extLst>
+              <a:ext uri="{FF2B5EF4-FFF2-40B4-BE49-F238E27FC236}">
+                <a16:creationId xmlns:a16="http://schemas.microsoft.com/office/drawing/2014/main" id="{95F9426C-116D-4292-B07A-31B95DB6200D}"/>
+              </a:ext>
+            </a:extLst>
+          </p:cNvPr>
+          <p:cNvSpPr txBox="1"/>
+          <p:nvPr/>
+        </p:nvSpPr>
+        <p:spPr>
+          <a:xfrm>
+            <a:off x="4847302" y="3899704"/>
+            <a:ext cx="4733988" cy="369332"/>
+          </a:xfrm>
+          <a:prstGeom prst="rect">
+            <a:avLst/>
+          </a:prstGeom>
+          <a:noFill/>
+        </p:spPr>
+        <p:txBody>
+          <a:bodyPr wrap="none" rtlCol="0">
+            <a:spAutoFit/>
+          </a:bodyPr>
+          <a:lstStyle/>
+          <a:p>
+            <a:r>
+              <a:rPr lang="en-GB" b="0" dirty="0">
+                <a:solidFill>
+                  <a:srgbClr val="000000"/>
+                </a:solidFill>
+                <a:effectLst/>
+                <a:latin typeface="Courier New" panose="02070309020205020404" pitchFamily="49" charset="0"/>
+              </a:rPr>
+              <a:t>[</a:t>
+            </a:r>
+            <a:r>
+              <a:rPr lang="en-GB" b="0" dirty="0">
+                <a:solidFill>
+                  <a:srgbClr val="A31515"/>
+                </a:solidFill>
+                <a:effectLst/>
+                <a:latin typeface="Courier New" panose="02070309020205020404" pitchFamily="49" charset="0"/>
+              </a:rPr>
+              <a:t>"Virginica"</a:t>
+            </a:r>
+            <a:r>
+              <a:rPr lang="en-GB" b="0" dirty="0">
+                <a:solidFill>
+                  <a:srgbClr val="000000"/>
+                </a:solidFill>
+                <a:effectLst/>
+                <a:latin typeface="Courier New" panose="02070309020205020404" pitchFamily="49" charset="0"/>
+              </a:rPr>
+              <a:t>, </a:t>
+            </a:r>
+            <a:r>
+              <a:rPr lang="en-GB" b="0" dirty="0">
+                <a:solidFill>
+                  <a:srgbClr val="A31515"/>
+                </a:solidFill>
+                <a:effectLst/>
+                <a:latin typeface="Courier New" panose="02070309020205020404" pitchFamily="49" charset="0"/>
+              </a:rPr>
+              <a:t>"</a:t>
+            </a:r>
+            <a:r>
+              <a:rPr lang="en-GB" b="0" dirty="0" err="1">
+                <a:solidFill>
+                  <a:srgbClr val="A31515"/>
+                </a:solidFill>
+                <a:effectLst/>
+                <a:latin typeface="Courier New" panose="02070309020205020404" pitchFamily="49" charset="0"/>
+              </a:rPr>
+              <a:t>Setosa</a:t>
+            </a:r>
+            <a:r>
+              <a:rPr lang="en-GB" b="0" dirty="0">
+                <a:solidFill>
+                  <a:srgbClr val="A31515"/>
+                </a:solidFill>
+                <a:effectLst/>
+                <a:latin typeface="Courier New" panose="02070309020205020404" pitchFamily="49" charset="0"/>
+              </a:rPr>
+              <a:t>"</a:t>
+            </a:r>
+            <a:r>
+              <a:rPr lang="en-GB" b="0" dirty="0">
+                <a:solidFill>
+                  <a:srgbClr val="000000"/>
+                </a:solidFill>
+                <a:effectLst/>
+                <a:latin typeface="Courier New" panose="02070309020205020404" pitchFamily="49" charset="0"/>
+              </a:rPr>
+              <a:t>, </a:t>
+            </a:r>
+            <a:r>
+              <a:rPr lang="en-GB" b="0" dirty="0">
+                <a:solidFill>
+                  <a:srgbClr val="A31515"/>
+                </a:solidFill>
+                <a:effectLst/>
+                <a:latin typeface="Courier New" panose="02070309020205020404" pitchFamily="49" charset="0"/>
+              </a:rPr>
+              <a:t>“</a:t>
+            </a:r>
+            <a:r>
+              <a:rPr lang="en-GB" b="0" dirty="0" err="1">
+                <a:solidFill>
+                  <a:srgbClr val="A31515"/>
+                </a:solidFill>
+                <a:effectLst/>
+                <a:latin typeface="Courier New" panose="02070309020205020404" pitchFamily="49" charset="0"/>
+              </a:rPr>
+              <a:t>Setosa</a:t>
+            </a:r>
+            <a:r>
+              <a:rPr lang="en-GB" b="0" dirty="0">
+                <a:solidFill>
+                  <a:srgbClr val="A31515"/>
+                </a:solidFill>
+                <a:effectLst/>
+                <a:latin typeface="Courier New" panose="02070309020205020404" pitchFamily="49" charset="0"/>
+              </a:rPr>
+              <a:t>”</a:t>
+            </a:r>
+            <a:r>
+              <a:rPr lang="en-GB" b="0" dirty="0">
+                <a:solidFill>
+                  <a:srgbClr val="000000"/>
+                </a:solidFill>
+                <a:effectLst/>
+                <a:latin typeface="Courier New" panose="02070309020205020404" pitchFamily="49" charset="0"/>
+              </a:rPr>
+              <a:t>]</a:t>
+            </a:r>
+          </a:p>
+        </p:txBody>
+      </p:sp>
+      <p:cxnSp>
+        <p:nvCxnSpPr>
+          <p:cNvPr id="16" name="Gerade Verbindung mit Pfeil 15">
+            <a:extLst>
+              <a:ext uri="{FF2B5EF4-FFF2-40B4-BE49-F238E27FC236}">
+                <a16:creationId xmlns:a16="http://schemas.microsoft.com/office/drawing/2014/main" id="{420AA0B0-CE63-4989-990D-1267959D96CE}"/>
+              </a:ext>
+            </a:extLst>
+          </p:cNvPr>
+          <p:cNvCxnSpPr/>
+          <p:nvPr/>
+        </p:nvCxnSpPr>
+        <p:spPr>
+          <a:xfrm>
+            <a:off x="6823586" y="4399935"/>
+            <a:ext cx="0" cy="658761"/>
+          </a:xfrm>
+          <a:prstGeom prst="straightConnector1">
+            <a:avLst/>
+          </a:prstGeom>
+          <a:ln>
+            <a:tailEnd type="triangle"/>
+          </a:ln>
+        </p:spPr>
+        <p:style>
+          <a:lnRef idx="1">
+            <a:schemeClr val="accent1"/>
+          </a:lnRef>
+          <a:fillRef idx="0">
+            <a:schemeClr val="accent1"/>
+          </a:fillRef>
+          <a:effectRef idx="0">
+            <a:schemeClr val="accent1"/>
+          </a:effectRef>
+          <a:fontRef idx="minor">
+            <a:schemeClr val="tx1"/>
+          </a:fontRef>
+        </p:style>
+      </p:cxnSp>
+      <p:sp>
+        <p:nvSpPr>
+          <p:cNvPr id="17" name="Textfeld 16">
+            <a:extLst>
+              <a:ext uri="{FF2B5EF4-FFF2-40B4-BE49-F238E27FC236}">
+                <a16:creationId xmlns:a16="http://schemas.microsoft.com/office/drawing/2014/main" id="{93FC61BB-E9D5-4051-8276-8988C4C6CBBF}"/>
+              </a:ext>
+            </a:extLst>
+          </p:cNvPr>
+          <p:cNvSpPr txBox="1"/>
+          <p:nvPr/>
+        </p:nvSpPr>
+        <p:spPr>
+          <a:xfrm>
+            <a:off x="4847302" y="5189595"/>
+            <a:ext cx="4871847" cy="369332"/>
+          </a:xfrm>
+          <a:prstGeom prst="rect">
+            <a:avLst/>
+          </a:prstGeom>
+          <a:noFill/>
+        </p:spPr>
+        <p:txBody>
+          <a:bodyPr wrap="none" rtlCol="0">
+            <a:spAutoFit/>
+          </a:bodyPr>
+          <a:lstStyle/>
+          <a:p>
+            <a:r>
+              <a:rPr lang="en-GB" dirty="0">
+                <a:solidFill>
+                  <a:srgbClr val="000000"/>
+                </a:solidFill>
+                <a:latin typeface="Courier New" panose="02070309020205020404" pitchFamily="49" charset="0"/>
+              </a:rPr>
+              <a:t>[      2    </a:t>
+            </a:r>
+            <a:r>
+              <a:rPr lang="en-GB" b="0" dirty="0">
+                <a:solidFill>
+                  <a:srgbClr val="000000"/>
+                </a:solidFill>
+                <a:effectLst/>
+                <a:latin typeface="Courier New" panose="02070309020205020404" pitchFamily="49" charset="0"/>
+              </a:rPr>
+              <a:t>,     0   ,     0    ]</a:t>
+            </a:r>
+          </a:p>
+        </p:txBody>
+      </p:sp>
+      <p:sp>
+        <p:nvSpPr>
+          <p:cNvPr id="18" name="Textfeld 17">
+            <a:extLst>
+              <a:ext uri="{FF2B5EF4-FFF2-40B4-BE49-F238E27FC236}">
+                <a16:creationId xmlns:a16="http://schemas.microsoft.com/office/drawing/2014/main" id="{B1BAFF3E-4731-41D9-B53A-771AD9166D3A}"/>
+              </a:ext>
+            </a:extLst>
+          </p:cNvPr>
+          <p:cNvSpPr txBox="1"/>
+          <p:nvPr/>
+        </p:nvSpPr>
+        <p:spPr>
+          <a:xfrm>
+            <a:off x="5902565" y="4565002"/>
+            <a:ext cx="921021" cy="307777"/>
+          </a:xfrm>
+          <a:prstGeom prst="rect">
+            <a:avLst/>
+          </a:prstGeom>
+          <a:noFill/>
+        </p:spPr>
+        <p:txBody>
+          <a:bodyPr wrap="none" rtlCol="0">
+            <a:spAutoFit/>
+          </a:bodyPr>
+          <a:lstStyle/>
+          <a:p>
+            <a:r>
+              <a:rPr lang="de-DE" sz="1400" dirty="0"/>
+              <a:t>Transform</a:t>
+            </a:r>
+            <a:endParaRPr lang="en-GB" sz="1400" dirty="0"/>
+          </a:p>
+        </p:txBody>
+      </p:sp>
+      <p:sp>
+        <p:nvSpPr>
+          <p:cNvPr id="19" name="Textfeld 18">
+            <a:extLst>
+              <a:ext uri="{FF2B5EF4-FFF2-40B4-BE49-F238E27FC236}">
+                <a16:creationId xmlns:a16="http://schemas.microsoft.com/office/drawing/2014/main" id="{FFD99797-74DE-4FF1-B1DF-0075C411AE18}"/>
+              </a:ext>
+            </a:extLst>
+          </p:cNvPr>
+          <p:cNvSpPr txBox="1"/>
+          <p:nvPr/>
+        </p:nvSpPr>
+        <p:spPr>
+          <a:xfrm>
+            <a:off x="8023123" y="4565001"/>
+            <a:ext cx="1487138" cy="307777"/>
+          </a:xfrm>
+          <a:prstGeom prst="rect">
+            <a:avLst/>
+          </a:prstGeom>
+          <a:noFill/>
+        </p:spPr>
+        <p:txBody>
+          <a:bodyPr wrap="none" rtlCol="0">
+            <a:spAutoFit/>
+          </a:bodyPr>
+          <a:lstStyle/>
+          <a:p>
+            <a:r>
+              <a:rPr lang="de-DE" sz="1400" dirty="0"/>
+              <a:t>Inverse Transform</a:t>
+            </a:r>
+            <a:endParaRPr lang="en-GB" sz="1400" dirty="0"/>
+          </a:p>
+        </p:txBody>
+      </p:sp>
+      <p:cxnSp>
+        <p:nvCxnSpPr>
+          <p:cNvPr id="21" name="Gerade Verbindung mit Pfeil 20">
+            <a:extLst>
+              <a:ext uri="{FF2B5EF4-FFF2-40B4-BE49-F238E27FC236}">
+                <a16:creationId xmlns:a16="http://schemas.microsoft.com/office/drawing/2014/main" id="{90F7E631-4E90-4F59-869C-B141FDCE9CA6}"/>
+              </a:ext>
+            </a:extLst>
+          </p:cNvPr>
+          <p:cNvCxnSpPr/>
+          <p:nvPr/>
+        </p:nvCxnSpPr>
+        <p:spPr>
+          <a:xfrm flipV="1">
+            <a:off x="8023124" y="4399935"/>
+            <a:ext cx="0" cy="658761"/>
+          </a:xfrm>
+          <a:prstGeom prst="straightConnector1">
+            <a:avLst/>
+          </a:prstGeom>
+          <a:ln>
+            <a:tailEnd type="triangle"/>
+          </a:ln>
+        </p:spPr>
+        <p:style>
+          <a:lnRef idx="1">
+            <a:schemeClr val="accent1"/>
+          </a:lnRef>
+          <a:fillRef idx="0">
+            <a:schemeClr val="accent1"/>
+          </a:fillRef>
+          <a:effectRef idx="0">
+            <a:schemeClr val="accent1"/>
+          </a:effectRef>
+          <a:fontRef idx="minor">
+            <a:schemeClr val="tx1"/>
+          </a:fontRef>
+        </p:style>
+      </p:cxnSp>
+    </p:spTree>
+    <p:extLst>
+      <p:ext uri="{BB962C8B-B14F-4D97-AF65-F5344CB8AC3E}">
+        <p14:creationId xmlns:p14="http://schemas.microsoft.com/office/powerpoint/2010/main" val="170026603"/>
+      </p:ext>
+    </p:extLst>
+  </p:cSld>
+  <p:clrMapOvr>
+    <a:masterClrMapping/>
+  </p:clrMapOvr>
+</p:sld>
+</file>
+
+<file path=ppt/slides/slide6.xml><?xml version="1.0" encoding="utf-8"?>
+<p:sld xmlns:a="http://schemas.openxmlformats.org/drawingml/2006/main" xmlns:r="http://schemas.openxmlformats.org/officeDocument/2006/relationships" xmlns:p="http://schemas.openxmlformats.org/presentationml/2006/main">
+  <p:cSld>
+    <p:spTree>
+      <p:nvGrpSpPr>
+        <p:cNvPr id="1" name=""/>
+        <p:cNvGrpSpPr/>
+        <p:nvPr/>
+      </p:nvGrpSpPr>
+      <p:grpSpPr>
+        <a:xfrm>
+          <a:off x="0" y="0"/>
+          <a:ext cx="0" cy="0"/>
+          <a:chOff x="0" y="0"/>
+          <a:chExt cx="0" cy="0"/>
+        </a:xfrm>
+      </p:grpSpPr>
+      <p:sp>
+        <p:nvSpPr>
+          <p:cNvPr id="2" name="Textfeld 1">
+            <a:extLst>
+              <a:ext uri="{FF2B5EF4-FFF2-40B4-BE49-F238E27FC236}">
+                <a16:creationId xmlns:a16="http://schemas.microsoft.com/office/drawing/2014/main" id="{BDE1A2A2-788E-455D-862C-2F44E271A0A8}"/>
+              </a:ext>
+            </a:extLst>
+          </p:cNvPr>
+          <p:cNvSpPr txBox="1"/>
+          <p:nvPr/>
+        </p:nvSpPr>
+        <p:spPr>
+          <a:xfrm>
+            <a:off x="1406012" y="1002890"/>
+            <a:ext cx="7766870" cy="369332"/>
+          </a:xfrm>
+          <a:prstGeom prst="rect">
+            <a:avLst/>
+          </a:prstGeom>
+          <a:noFill/>
+        </p:spPr>
+        <p:txBody>
+          <a:bodyPr wrap="none" rtlCol="0">
+            <a:spAutoFit/>
+          </a:bodyPr>
+          <a:lstStyle/>
+          <a:p>
+            <a:r>
+              <a:rPr lang="en-GB" b="0" dirty="0">
+                <a:solidFill>
+                  <a:srgbClr val="000000"/>
+                </a:solidFill>
+                <a:effectLst/>
+                <a:latin typeface="Courier New" panose="02070309020205020404" pitchFamily="49" charset="0"/>
+              </a:rPr>
+              <a:t>[[</a:t>
+            </a:r>
+            <a:r>
+              <a:rPr lang="en-GB" b="0" dirty="0">
+                <a:solidFill>
+                  <a:srgbClr val="A31515"/>
+                </a:solidFill>
+                <a:effectLst/>
+                <a:latin typeface="Courier New" panose="02070309020205020404" pitchFamily="49" charset="0"/>
+              </a:rPr>
+              <a:t>'A'</a:t>
+            </a:r>
+            <a:r>
+              <a:rPr lang="en-GB" b="0" dirty="0">
+                <a:solidFill>
+                  <a:srgbClr val="000000"/>
+                </a:solidFill>
+                <a:effectLst/>
+                <a:latin typeface="Courier New" panose="02070309020205020404" pitchFamily="49" charset="0"/>
+              </a:rPr>
+              <a:t>,</a:t>
+            </a:r>
+            <a:r>
+              <a:rPr lang="en-GB" b="0" dirty="0">
+                <a:solidFill>
+                  <a:srgbClr val="A31515"/>
+                </a:solidFill>
+                <a:effectLst/>
+                <a:latin typeface="Courier New" panose="02070309020205020404" pitchFamily="49" charset="0"/>
+              </a:rPr>
+              <a:t>'B'</a:t>
+            </a:r>
+            <a:r>
+              <a:rPr lang="en-GB" b="0" dirty="0">
+                <a:solidFill>
+                  <a:srgbClr val="000000"/>
+                </a:solidFill>
+                <a:effectLst/>
+                <a:latin typeface="Courier New" panose="02070309020205020404" pitchFamily="49" charset="0"/>
+              </a:rPr>
+              <a:t>], [</a:t>
+            </a:r>
+            <a:r>
+              <a:rPr lang="en-GB" b="0" dirty="0">
+                <a:solidFill>
+                  <a:srgbClr val="A31515"/>
+                </a:solidFill>
+                <a:effectLst/>
+                <a:latin typeface="Courier New" panose="02070309020205020404" pitchFamily="49" charset="0"/>
+              </a:rPr>
+              <a:t>'B'</a:t>
+            </a:r>
+            <a:r>
+              <a:rPr lang="en-GB" b="0" dirty="0">
+                <a:solidFill>
+                  <a:srgbClr val="000000"/>
+                </a:solidFill>
+                <a:effectLst/>
+                <a:latin typeface="Courier New" panose="02070309020205020404" pitchFamily="49" charset="0"/>
+              </a:rPr>
+              <a:t>,</a:t>
+            </a:r>
+            <a:r>
+              <a:rPr lang="en-GB" b="0" dirty="0">
+                <a:solidFill>
+                  <a:srgbClr val="A31515"/>
+                </a:solidFill>
+                <a:effectLst/>
+                <a:latin typeface="Courier New" panose="02070309020205020404" pitchFamily="49" charset="0"/>
+              </a:rPr>
+              <a:t>'A'</a:t>
+            </a:r>
+            <a:r>
+              <a:rPr lang="en-GB" b="0" dirty="0">
+                <a:solidFill>
+                  <a:srgbClr val="000000"/>
+                </a:solidFill>
+                <a:effectLst/>
+                <a:latin typeface="Courier New" panose="02070309020205020404" pitchFamily="49" charset="0"/>
+              </a:rPr>
+              <a:t>], [</a:t>
+            </a:r>
+            <a:r>
+              <a:rPr lang="en-GB" b="0" dirty="0">
+                <a:solidFill>
+                  <a:srgbClr val="A31515"/>
+                </a:solidFill>
+                <a:effectLst/>
+                <a:latin typeface="Courier New" panose="02070309020205020404" pitchFamily="49" charset="0"/>
+              </a:rPr>
+              <a:t>'A'</a:t>
+            </a:r>
+            <a:r>
+              <a:rPr lang="en-GB" b="0" dirty="0">
+                <a:solidFill>
+                  <a:srgbClr val="000000"/>
+                </a:solidFill>
+                <a:effectLst/>
+                <a:latin typeface="Courier New" panose="02070309020205020404" pitchFamily="49" charset="0"/>
+              </a:rPr>
+              <a:t>,</a:t>
+            </a:r>
+            <a:r>
+              <a:rPr lang="en-GB" b="0" dirty="0">
+                <a:solidFill>
+                  <a:srgbClr val="A31515"/>
+                </a:solidFill>
+                <a:effectLst/>
+                <a:latin typeface="Courier New" panose="02070309020205020404" pitchFamily="49" charset="0"/>
+              </a:rPr>
+              <a:t>'Z'</a:t>
+            </a:r>
+            <a:r>
+              <a:rPr lang="en-GB" b="0" dirty="0">
+                <a:solidFill>
+                  <a:srgbClr val="000000"/>
+                </a:solidFill>
+                <a:effectLst/>
+                <a:latin typeface="Courier New" panose="02070309020205020404" pitchFamily="49" charset="0"/>
+              </a:rPr>
+              <a:t>], [</a:t>
+            </a:r>
+            <a:r>
+              <a:rPr lang="en-GB" b="0" dirty="0">
+                <a:solidFill>
+                  <a:srgbClr val="A31515"/>
+                </a:solidFill>
+                <a:effectLst/>
+                <a:latin typeface="Courier New" panose="02070309020205020404" pitchFamily="49" charset="0"/>
+              </a:rPr>
+              <a:t>'X'</a:t>
+            </a:r>
+            <a:r>
+              <a:rPr lang="en-GB" b="0" dirty="0">
+                <a:solidFill>
+                  <a:srgbClr val="000000"/>
+                </a:solidFill>
+                <a:effectLst/>
+                <a:latin typeface="Courier New" panose="02070309020205020404" pitchFamily="49" charset="0"/>
+              </a:rPr>
+              <a:t>,</a:t>
+            </a:r>
+            <a:r>
+              <a:rPr lang="en-GB" b="0" dirty="0">
+                <a:solidFill>
+                  <a:srgbClr val="A31515"/>
+                </a:solidFill>
+                <a:effectLst/>
+                <a:latin typeface="Courier New" panose="02070309020205020404" pitchFamily="49" charset="0"/>
+              </a:rPr>
+              <a:t>'Z'</a:t>
+            </a:r>
+            <a:r>
+              <a:rPr lang="en-GB" b="0" dirty="0">
+                <a:solidFill>
+                  <a:srgbClr val="000000"/>
+                </a:solidFill>
+                <a:effectLst/>
+                <a:latin typeface="Courier New" panose="02070309020205020404" pitchFamily="49" charset="0"/>
+              </a:rPr>
+              <a:t>], [</a:t>
+            </a:r>
+            <a:r>
+              <a:rPr lang="en-GB" b="0" dirty="0">
+                <a:solidFill>
+                  <a:srgbClr val="A31515"/>
+                </a:solidFill>
+                <a:effectLst/>
+                <a:latin typeface="Courier New" panose="02070309020205020404" pitchFamily="49" charset="0"/>
+              </a:rPr>
+              <a:t>'A'</a:t>
+            </a:r>
+            <a:r>
+              <a:rPr lang="en-GB" b="0" dirty="0">
+                <a:solidFill>
+                  <a:srgbClr val="000000"/>
+                </a:solidFill>
+                <a:effectLst/>
+                <a:latin typeface="Courier New" panose="02070309020205020404" pitchFamily="49" charset="0"/>
+              </a:rPr>
+              <a:t>,</a:t>
+            </a:r>
+            <a:r>
+              <a:rPr lang="en-GB" b="0" dirty="0">
+                <a:solidFill>
+                  <a:srgbClr val="A31515"/>
+                </a:solidFill>
+                <a:effectLst/>
+                <a:latin typeface="Courier New" panose="02070309020205020404" pitchFamily="49" charset="0"/>
+              </a:rPr>
+              <a:t>'Z'</a:t>
+            </a:r>
+            <a:r>
+              <a:rPr lang="en-GB" b="0" dirty="0">
+                <a:solidFill>
+                  <a:srgbClr val="000000"/>
+                </a:solidFill>
+                <a:effectLst/>
+                <a:latin typeface="Courier New" panose="02070309020205020404" pitchFamily="49" charset="0"/>
+              </a:rPr>
+              <a:t>]]</a:t>
+            </a:r>
+          </a:p>
+        </p:txBody>
+      </p:sp>
+      <p:sp>
+        <p:nvSpPr>
+          <p:cNvPr id="3" name="Textfeld 2">
+            <a:extLst>
+              <a:ext uri="{FF2B5EF4-FFF2-40B4-BE49-F238E27FC236}">
+                <a16:creationId xmlns:a16="http://schemas.microsoft.com/office/drawing/2014/main" id="{1A3E6DE5-067E-42DF-825F-84764BD56DF0}"/>
+              </a:ext>
+            </a:extLst>
+          </p:cNvPr>
+          <p:cNvSpPr txBox="1"/>
+          <p:nvPr/>
+        </p:nvSpPr>
+        <p:spPr>
+          <a:xfrm>
+            <a:off x="1406012" y="633558"/>
+            <a:ext cx="1607235" cy="369332"/>
+          </a:xfrm>
+          <a:prstGeom prst="rect">
+            <a:avLst/>
+          </a:prstGeom>
+          <a:noFill/>
+        </p:spPr>
+        <p:txBody>
+          <a:bodyPr wrap="none" rtlCol="0">
+            <a:spAutoFit/>
+          </a:bodyPr>
+          <a:lstStyle/>
+          <a:p>
+            <a:r>
+              <a:rPr lang="de-DE" u="sng" dirty="0"/>
+              <a:t>Ausgangsdaten</a:t>
+            </a:r>
+            <a:endParaRPr lang="en-GB" u="sng" dirty="0"/>
+          </a:p>
+        </p:txBody>
+      </p:sp>
+      <p:sp>
+        <p:nvSpPr>
+          <p:cNvPr id="7" name="Textfeld 6">
+            <a:extLst>
+              <a:ext uri="{FF2B5EF4-FFF2-40B4-BE49-F238E27FC236}">
+                <a16:creationId xmlns:a16="http://schemas.microsoft.com/office/drawing/2014/main" id="{B4ACD1EB-E701-447C-B73D-053939014CE7}"/>
+              </a:ext>
+            </a:extLst>
+          </p:cNvPr>
+          <p:cNvSpPr txBox="1"/>
+          <p:nvPr/>
+        </p:nvSpPr>
+        <p:spPr>
+          <a:xfrm>
+            <a:off x="1406012" y="1632155"/>
+            <a:ext cx="4931093" cy="369332"/>
+          </a:xfrm>
+          <a:prstGeom prst="rect">
+            <a:avLst/>
+          </a:prstGeom>
+          <a:noFill/>
+        </p:spPr>
+        <p:txBody>
+          <a:bodyPr wrap="none" rtlCol="0">
+            <a:spAutoFit/>
+          </a:bodyPr>
+          <a:lstStyle/>
+          <a:p>
+            <a:r>
+              <a:rPr lang="de-DE" dirty="0"/>
+              <a:t>Werte in der ersten Spalte:   </a:t>
+            </a:r>
+            <a:r>
+              <a:rPr lang="en-GB" b="0" i="0" dirty="0">
+                <a:solidFill>
+                  <a:srgbClr val="212121"/>
+                </a:solidFill>
+                <a:effectLst/>
+                <a:latin typeface="Courier New" panose="02070309020205020404" pitchFamily="49" charset="0"/>
+              </a:rPr>
+              <a:t>['A', 'B', 'X’]</a:t>
+            </a:r>
+          </a:p>
+        </p:txBody>
+      </p:sp>
+      <p:sp>
+        <p:nvSpPr>
+          <p:cNvPr id="20" name="Textfeld 19">
+            <a:extLst>
+              <a:ext uri="{FF2B5EF4-FFF2-40B4-BE49-F238E27FC236}">
+                <a16:creationId xmlns:a16="http://schemas.microsoft.com/office/drawing/2014/main" id="{6EF6D0C8-C682-4F61-B799-AF192EDE5048}"/>
+              </a:ext>
+            </a:extLst>
+          </p:cNvPr>
+          <p:cNvSpPr txBox="1"/>
+          <p:nvPr/>
+        </p:nvSpPr>
+        <p:spPr>
+          <a:xfrm>
+            <a:off x="1406012" y="2023921"/>
+            <a:ext cx="4966744" cy="369332"/>
+          </a:xfrm>
+          <a:prstGeom prst="rect">
+            <a:avLst/>
+          </a:prstGeom>
+          <a:noFill/>
+        </p:spPr>
+        <p:txBody>
+          <a:bodyPr wrap="none" rtlCol="0">
+            <a:spAutoFit/>
+          </a:bodyPr>
+          <a:lstStyle/>
+          <a:p>
+            <a:r>
+              <a:rPr lang="de-DE" dirty="0"/>
+              <a:t>Werte in der zweiten Spalte: </a:t>
+            </a:r>
+            <a:r>
+              <a:rPr lang="en-GB" b="0" i="0" dirty="0">
+                <a:solidFill>
+                  <a:srgbClr val="212121"/>
+                </a:solidFill>
+                <a:effectLst/>
+                <a:latin typeface="Courier New" panose="02070309020205020404" pitchFamily="49" charset="0"/>
+              </a:rPr>
+              <a:t>[‘A', 'B', ‘Z’]</a:t>
+            </a:r>
+          </a:p>
+        </p:txBody>
+      </p:sp>
+      <p:sp>
+        <p:nvSpPr>
+          <p:cNvPr id="22" name="Textfeld 21">
+            <a:extLst>
+              <a:ext uri="{FF2B5EF4-FFF2-40B4-BE49-F238E27FC236}">
+                <a16:creationId xmlns:a16="http://schemas.microsoft.com/office/drawing/2014/main" id="{A72901C4-9A61-4135-8DAE-B12DAD941DF8}"/>
+              </a:ext>
+            </a:extLst>
+          </p:cNvPr>
+          <p:cNvSpPr txBox="1"/>
+          <p:nvPr/>
+        </p:nvSpPr>
+        <p:spPr>
+          <a:xfrm>
+            <a:off x="1406012" y="2756424"/>
+            <a:ext cx="5862759" cy="369332"/>
+          </a:xfrm>
+          <a:prstGeom prst="rect">
+            <a:avLst/>
+          </a:prstGeom>
+          <a:noFill/>
+        </p:spPr>
+        <p:txBody>
+          <a:bodyPr wrap="none" rtlCol="0">
+            <a:spAutoFit/>
+          </a:bodyPr>
+          <a:lstStyle/>
+          <a:p>
+            <a:r>
+              <a:rPr lang="de-DE" u="sng" dirty="0"/>
+              <a:t>Encoding-Array</a:t>
+            </a:r>
+            <a:r>
+              <a:rPr lang="de-DE" dirty="0"/>
+              <a:t>: </a:t>
+            </a:r>
+            <a:r>
+              <a:rPr lang="en-GB" b="0" i="0" dirty="0">
+                <a:solidFill>
+                  <a:srgbClr val="212121"/>
+                </a:solidFill>
+                <a:effectLst/>
+                <a:latin typeface="Courier New" panose="02070309020205020404" pitchFamily="49" charset="0"/>
+              </a:rPr>
+              <a:t>['A', 'B', ‘X’, ‘A', 'B', ‘Z’]</a:t>
+            </a:r>
+          </a:p>
+        </p:txBody>
+      </p:sp>
+      <p:sp>
+        <p:nvSpPr>
+          <p:cNvPr id="23" name="Textfeld 22">
+            <a:extLst>
+              <a:ext uri="{FF2B5EF4-FFF2-40B4-BE49-F238E27FC236}">
+                <a16:creationId xmlns:a16="http://schemas.microsoft.com/office/drawing/2014/main" id="{68806856-12C7-4969-9E30-B17E8997EAD0}"/>
+              </a:ext>
+            </a:extLst>
+          </p:cNvPr>
+          <p:cNvSpPr txBox="1"/>
+          <p:nvPr/>
+        </p:nvSpPr>
+        <p:spPr>
+          <a:xfrm>
+            <a:off x="1358370" y="3921547"/>
+            <a:ext cx="2668872" cy="369332"/>
+          </a:xfrm>
+          <a:prstGeom prst="rect">
+            <a:avLst/>
+          </a:prstGeom>
+          <a:noFill/>
+        </p:spPr>
+        <p:txBody>
+          <a:bodyPr wrap="none" rtlCol="0">
+            <a:spAutoFit/>
+          </a:bodyPr>
+          <a:lstStyle/>
+          <a:p>
+            <a:r>
+              <a:rPr lang="de-DE" u="sng" dirty="0"/>
+              <a:t>Anwendung</a:t>
+            </a:r>
+            <a:r>
+              <a:rPr lang="de-DE" dirty="0"/>
+              <a:t>: </a:t>
+            </a:r>
+            <a:r>
+              <a:rPr lang="en-GB" b="0" i="0" dirty="0">
+                <a:solidFill>
+                  <a:srgbClr val="212121"/>
+                </a:solidFill>
+                <a:effectLst/>
+                <a:latin typeface="Courier New" panose="02070309020205020404" pitchFamily="49" charset="0"/>
+              </a:rPr>
+              <a:t>['A’,‘A’]</a:t>
+            </a:r>
+          </a:p>
+        </p:txBody>
+      </p:sp>
+      <p:sp>
+        <p:nvSpPr>
+          <p:cNvPr id="13" name="Textfeld 12">
+            <a:extLst>
+              <a:ext uri="{FF2B5EF4-FFF2-40B4-BE49-F238E27FC236}">
+                <a16:creationId xmlns:a16="http://schemas.microsoft.com/office/drawing/2014/main" id="{9A97CF76-03BC-48BC-B7DE-A271FA77E284}"/>
+              </a:ext>
+            </a:extLst>
+          </p:cNvPr>
+          <p:cNvSpPr txBox="1"/>
+          <p:nvPr/>
+        </p:nvSpPr>
+        <p:spPr>
+          <a:xfrm>
+            <a:off x="4610653" y="3921547"/>
+            <a:ext cx="2803973" cy="369332"/>
+          </a:xfrm>
+          <a:prstGeom prst="rect">
+            <a:avLst/>
+          </a:prstGeom>
+          <a:noFill/>
+        </p:spPr>
+        <p:txBody>
+          <a:bodyPr wrap="none" rtlCol="0">
+            <a:spAutoFit/>
+          </a:bodyPr>
+          <a:lstStyle/>
+          <a:p>
+            <a:r>
+              <a:rPr lang="en-GB" b="0" i="0" dirty="0">
+                <a:solidFill>
+                  <a:srgbClr val="212121"/>
+                </a:solidFill>
+                <a:effectLst/>
+                <a:latin typeface="Courier New" panose="02070309020205020404" pitchFamily="49" charset="0"/>
+              </a:rPr>
+              <a:t>[1. 0. 0. 1. 0. 0.]</a:t>
+            </a:r>
+            <a:endParaRPr lang="en-GB" dirty="0"/>
+          </a:p>
+        </p:txBody>
+      </p:sp>
+      <p:cxnSp>
+        <p:nvCxnSpPr>
+          <p:cNvPr id="25" name="Gerade Verbindung mit Pfeil 24">
+            <a:extLst>
+              <a:ext uri="{FF2B5EF4-FFF2-40B4-BE49-F238E27FC236}">
+                <a16:creationId xmlns:a16="http://schemas.microsoft.com/office/drawing/2014/main" id="{B267A945-778D-4C21-B91B-9D52EED01D62}"/>
+              </a:ext>
+            </a:extLst>
+          </p:cNvPr>
+          <p:cNvCxnSpPr>
+            <a:cxnSpLocks/>
+            <a:stCxn id="23" idx="3"/>
+            <a:endCxn id="13" idx="1"/>
+          </p:cNvCxnSpPr>
+          <p:nvPr/>
+        </p:nvCxnSpPr>
+        <p:spPr>
+          <a:xfrm>
+            <a:off x="4027242" y="4106213"/>
+            <a:ext cx="583411" cy="0"/>
+          </a:xfrm>
+          <a:prstGeom prst="straightConnector1">
+            <a:avLst/>
+          </a:prstGeom>
+          <a:ln>
+            <a:tailEnd type="triangle"/>
+          </a:ln>
+        </p:spPr>
+        <p:style>
+          <a:lnRef idx="1">
+            <a:schemeClr val="accent1"/>
+          </a:lnRef>
+          <a:fillRef idx="0">
+            <a:schemeClr val="accent1"/>
+          </a:fillRef>
+          <a:effectRef idx="0">
+            <a:schemeClr val="accent1"/>
+          </a:effectRef>
+          <a:fontRef idx="minor">
+            <a:schemeClr val="tx1"/>
+          </a:fontRef>
+        </p:style>
+      </p:cxnSp>
+      <p:cxnSp>
+        <p:nvCxnSpPr>
+          <p:cNvPr id="28" name="Gerade Verbindung mit Pfeil 27">
+            <a:extLst>
+              <a:ext uri="{FF2B5EF4-FFF2-40B4-BE49-F238E27FC236}">
+                <a16:creationId xmlns:a16="http://schemas.microsoft.com/office/drawing/2014/main" id="{B7535C1C-8E74-42C6-8A90-5FDB5C83B839}"/>
+              </a:ext>
+            </a:extLst>
+          </p:cNvPr>
+          <p:cNvCxnSpPr/>
+          <p:nvPr/>
+        </p:nvCxnSpPr>
+        <p:spPr>
+          <a:xfrm>
+            <a:off x="3342968" y="3125756"/>
+            <a:ext cx="1494503" cy="708825"/>
+          </a:xfrm>
+          <a:prstGeom prst="straightConnector1">
+            <a:avLst/>
+          </a:prstGeom>
+          <a:ln>
+            <a:tailEnd type="triangle"/>
+          </a:ln>
+        </p:spPr>
+        <p:style>
+          <a:lnRef idx="1">
+            <a:schemeClr val="accent1"/>
+          </a:lnRef>
+          <a:fillRef idx="0">
+            <a:schemeClr val="accent1"/>
+          </a:fillRef>
+          <a:effectRef idx="0">
+            <a:schemeClr val="accent1"/>
+          </a:effectRef>
+          <a:fontRef idx="minor">
+            <a:schemeClr val="tx1"/>
+          </a:fontRef>
+        </p:style>
+      </p:cxnSp>
+      <p:cxnSp>
+        <p:nvCxnSpPr>
+          <p:cNvPr id="30" name="Gerade Verbindung mit Pfeil 29">
+            <a:extLst>
+              <a:ext uri="{FF2B5EF4-FFF2-40B4-BE49-F238E27FC236}">
+                <a16:creationId xmlns:a16="http://schemas.microsoft.com/office/drawing/2014/main" id="{E271B96B-7345-464E-AE92-DBBD29505BBE}"/>
+              </a:ext>
+            </a:extLst>
+          </p:cNvPr>
+          <p:cNvCxnSpPr/>
+          <p:nvPr/>
+        </p:nvCxnSpPr>
+        <p:spPr>
+          <a:xfrm>
+            <a:off x="5418649" y="3125756"/>
+            <a:ext cx="677351" cy="795791"/>
+          </a:xfrm>
+          <a:prstGeom prst="straightConnector1">
+            <a:avLst/>
+          </a:prstGeom>
+          <a:ln>
+            <a:tailEnd type="triangle"/>
+          </a:ln>
+        </p:spPr>
+        <p:style>
+          <a:lnRef idx="1">
+            <a:schemeClr val="accent1"/>
+          </a:lnRef>
+          <a:fillRef idx="0">
+            <a:schemeClr val="accent1"/>
+          </a:fillRef>
+          <a:effectRef idx="0">
+            <a:schemeClr val="accent1"/>
+          </a:effectRef>
+          <a:fontRef idx="minor">
+            <a:schemeClr val="tx1"/>
+          </a:fontRef>
+        </p:style>
+      </p:cxnSp>
+      <p:sp>
+        <p:nvSpPr>
+          <p:cNvPr id="32" name="Ellipse 31">
+            <a:extLst>
+              <a:ext uri="{FF2B5EF4-FFF2-40B4-BE49-F238E27FC236}">
+                <a16:creationId xmlns:a16="http://schemas.microsoft.com/office/drawing/2014/main" id="{ECE4D556-9C61-44F3-9D2B-0B61499E606F}"/>
+              </a:ext>
+            </a:extLst>
+          </p:cNvPr>
+          <p:cNvSpPr/>
+          <p:nvPr/>
+        </p:nvSpPr>
+        <p:spPr>
+          <a:xfrm>
+            <a:off x="824834" y="2756424"/>
+            <a:ext cx="383458" cy="369332"/>
+          </a:xfrm>
+          <a:prstGeom prst="ellipse">
+            <a:avLst/>
+          </a:prstGeom>
+        </p:spPr>
+        <p:style>
+          <a:lnRef idx="2">
+            <a:schemeClr val="accent1">
+              <a:shade val="50000"/>
+            </a:schemeClr>
+          </a:lnRef>
+          <a:fillRef idx="1">
+            <a:schemeClr val="accent1"/>
+          </a:fillRef>
+          <a:effectRef idx="0">
+            <a:schemeClr val="accent1"/>
+          </a:effectRef>
+          <a:fontRef idx="minor">
+            <a:schemeClr val="lt1"/>
+          </a:fontRef>
+        </p:style>
+        <p:txBody>
+          <a:bodyPr rtlCol="0" anchor="ctr"/>
+          <a:lstStyle/>
+          <a:p>
+            <a:pPr algn="ctr"/>
+            <a:r>
+              <a:rPr lang="de-DE" dirty="0"/>
+              <a:t>1</a:t>
+            </a:r>
+            <a:endParaRPr lang="en-GB" dirty="0"/>
+          </a:p>
+        </p:txBody>
+      </p:sp>
+      <p:sp>
+        <p:nvSpPr>
+          <p:cNvPr id="33" name="Ellipse 32">
+            <a:extLst>
+              <a:ext uri="{FF2B5EF4-FFF2-40B4-BE49-F238E27FC236}">
+                <a16:creationId xmlns:a16="http://schemas.microsoft.com/office/drawing/2014/main" id="{4414CA64-9C07-46D6-B72A-391376C83274}"/>
+              </a:ext>
+            </a:extLst>
+          </p:cNvPr>
+          <p:cNvSpPr/>
+          <p:nvPr/>
+        </p:nvSpPr>
+        <p:spPr>
+          <a:xfrm>
+            <a:off x="839811" y="3921547"/>
+            <a:ext cx="383458" cy="369332"/>
+          </a:xfrm>
+          <a:prstGeom prst="ellipse">
+            <a:avLst/>
+          </a:prstGeom>
+        </p:spPr>
+        <p:style>
+          <a:lnRef idx="2">
+            <a:schemeClr val="accent1">
+              <a:shade val="50000"/>
+            </a:schemeClr>
+          </a:lnRef>
+          <a:fillRef idx="1">
+            <a:schemeClr val="accent1"/>
+          </a:fillRef>
+          <a:effectRef idx="0">
+            <a:schemeClr val="accent1"/>
+          </a:effectRef>
+          <a:fontRef idx="minor">
+            <a:schemeClr val="lt1"/>
+          </a:fontRef>
+        </p:style>
+        <p:txBody>
+          <a:bodyPr rtlCol="0" anchor="ctr"/>
+          <a:lstStyle/>
+          <a:p>
+            <a:pPr algn="ctr"/>
+            <a:r>
+              <a:rPr lang="de-DE" dirty="0"/>
+              <a:t>2</a:t>
+            </a:r>
+            <a:endParaRPr lang="en-GB" dirty="0"/>
+          </a:p>
+        </p:txBody>
+      </p:sp>
+    </p:spTree>
+    <p:extLst>
+      <p:ext uri="{BB962C8B-B14F-4D97-AF65-F5344CB8AC3E}">
+        <p14:creationId xmlns:p14="http://schemas.microsoft.com/office/powerpoint/2010/main" val="4093210102"/>
+      </p:ext>
+    </p:extLst>
+  </p:cSld>
+  <p:clrMapOvr>
+    <a:masterClrMapping/>
+  </p:clrMapOvr>
+</p:sld>
+</file>
+
 <file path=ppt/theme/theme1.xml><?xml version="1.0" encoding="utf-8"?>
 <a:theme xmlns:a="http://schemas.openxmlformats.org/drawingml/2006/main" name="Office">
   <a:themeElements>
